--- a/TrackFit _Presentation.pptx
+++ b/TrackFit _Presentation.pptx
@@ -5,24 +5,24 @@
     <p:sldMasterId id="2147483648" r:id="rId1"/>
   </p:sldMasterIdLst>
   <p:notesMasterIdLst>
-    <p:notesMasterId r:id="rId4"/>
+    <p:notesMasterId r:id="rId14"/>
   </p:notesMasterIdLst>
   <p:handoutMasterIdLst>
-    <p:handoutMasterId r:id="rId16"/>
+    <p:handoutMasterId r:id="rId15"/>
   </p:handoutMasterIdLst>
   <p:sldIdLst>
-    <p:sldId id="256" r:id="rId3"/>
-    <p:sldId id="281" r:id="rId5"/>
-    <p:sldId id="258" r:id="rId6"/>
-    <p:sldId id="308" r:id="rId7"/>
-    <p:sldId id="310" r:id="rId8"/>
-    <p:sldId id="311" r:id="rId9"/>
-    <p:sldId id="312" r:id="rId10"/>
-    <p:sldId id="313" r:id="rId11"/>
-    <p:sldId id="342" r:id="rId12"/>
-    <p:sldId id="314" r:id="rId13"/>
-    <p:sldId id="343" r:id="rId14"/>
-    <p:sldId id="344" r:id="rId15"/>
+    <p:sldId id="256" r:id="rId2"/>
+    <p:sldId id="281" r:id="rId3"/>
+    <p:sldId id="258" r:id="rId4"/>
+    <p:sldId id="308" r:id="rId5"/>
+    <p:sldId id="310" r:id="rId6"/>
+    <p:sldId id="311" r:id="rId7"/>
+    <p:sldId id="312" r:id="rId8"/>
+    <p:sldId id="313" r:id="rId9"/>
+    <p:sldId id="342" r:id="rId10"/>
+    <p:sldId id="314" r:id="rId11"/>
+    <p:sldId id="343" r:id="rId12"/>
+    <p:sldId id="344" r:id="rId13"/>
   </p:sldIdLst>
   <p:sldSz cx="12192000" cy="6858000"/>
   <p:notesSz cx="6858000" cy="9144000"/>
@@ -206,6 +206,8 @@
           <a:p>
             <a:fld id="{696C064A-D61B-4B21-B757-51A9B82445B8}" type="datetimeFigureOut">
               <a:rPr lang="en-US" smtClean="0"/>
+              <a:pPr/>
+              <a:t>7/12/2017</a:t>
             </a:fld>
             <a:endParaRPr lang="en-US"/>
           </a:p>
@@ -271,6 +273,8 @@
           <a:p>
             <a:fld id="{50305E07-67EA-4042-A3F6-853A8AD8D209}" type="slidenum">
               <a:rPr lang="en-US" smtClean="0"/>
+              <a:pPr/>
+              <a:t>‹#›</a:t>
             </a:fld>
             <a:endParaRPr lang="en-US"/>
           </a:p>
@@ -364,6 +368,8 @@
           <a:p>
             <a:fld id="{4A1CD230-222A-40FF-8BCF-081E040AAD92}" type="datetimeFigureOut">
               <a:rPr lang="zh-CN" altLang="en-US" smtClean="0"/>
+              <a:pPr/>
+              <a:t>2017/7/12</a:t>
             </a:fld>
             <a:endParaRPr lang="zh-CN" altLang="en-US"/>
           </a:p>
@@ -430,7 +436,6 @@
               <a:rPr lang="zh-CN" altLang="en-US" smtClean="0"/>
               <a:t>单击此处编辑母版文本样式</a:t>
             </a:r>
-            <a:endParaRPr lang="zh-CN" altLang="en-US" smtClean="0"/>
           </a:p>
           <a:p>
             <a:pPr lvl="1"/>
@@ -438,7 +443,6 @@
               <a:rPr lang="zh-CN" altLang="en-US" smtClean="0"/>
               <a:t>第二级</a:t>
             </a:r>
-            <a:endParaRPr lang="zh-CN" altLang="en-US" smtClean="0"/>
           </a:p>
           <a:p>
             <a:pPr lvl="2"/>
@@ -446,7 +450,6 @@
               <a:rPr lang="zh-CN" altLang="en-US" smtClean="0"/>
               <a:t>第三级</a:t>
             </a:r>
-            <a:endParaRPr lang="zh-CN" altLang="en-US" smtClean="0"/>
           </a:p>
           <a:p>
             <a:pPr lvl="3"/>
@@ -454,7 +457,6 @@
               <a:rPr lang="zh-CN" altLang="en-US" smtClean="0"/>
               <a:t>第四级</a:t>
             </a:r>
-            <a:endParaRPr lang="zh-CN" altLang="en-US" smtClean="0"/>
           </a:p>
           <a:p>
             <a:pPr lvl="4"/>
@@ -526,6 +528,8 @@
           <a:p>
             <a:fld id="{ECF1402D-5B37-439D-9930-BC5E5BB579A0}" type="slidenum">
               <a:rPr lang="zh-CN" altLang="en-US" smtClean="0"/>
+              <a:pPr/>
+              <a:t>‹#›</a:t>
             </a:fld>
             <a:endParaRPr lang="zh-CN" altLang="en-US"/>
           </a:p>
@@ -694,6 +698,8 @@
           <a:p>
             <a:fld id="{ECF1402D-5B37-439D-9930-BC5E5BB579A0}" type="slidenum">
               <a:rPr lang="zh-CN" altLang="en-US" smtClean="0"/>
+              <a:pPr/>
+              <a:t>1</a:t>
             </a:fld>
             <a:endParaRPr lang="zh-CN" altLang="en-US"/>
           </a:p>
@@ -772,6 +778,8 @@
           <a:p>
             <a:fld id="{ECF1402D-5B37-439D-9930-BC5E5BB579A0}" type="slidenum">
               <a:rPr lang="zh-CN" altLang="en-US" smtClean="0"/>
+              <a:pPr/>
+              <a:t>2</a:t>
             </a:fld>
             <a:endParaRPr lang="zh-CN" altLang="en-US"/>
           </a:p>
@@ -850,6 +858,8 @@
           <a:p>
             <a:fld id="{ECF1402D-5B37-439D-9930-BC5E5BB579A0}" type="slidenum">
               <a:rPr lang="zh-CN" altLang="en-US" smtClean="0"/>
+              <a:pPr/>
+              <a:t>3</a:t>
             </a:fld>
             <a:endParaRPr lang="zh-CN" altLang="en-US"/>
           </a:p>
@@ -928,6 +938,8 @@
           <a:p>
             <a:fld id="{ECF1402D-5B37-439D-9930-BC5E5BB579A0}" type="slidenum">
               <a:rPr lang="zh-CN" altLang="en-US" smtClean="0"/>
+              <a:pPr/>
+              <a:t>4</a:t>
             </a:fld>
             <a:endParaRPr lang="zh-CN" altLang="en-US"/>
           </a:p>
@@ -947,7 +959,7 @@
     <p:bg bwMode="auto">
       <p:bgPr>
         <a:blipFill dpi="0" rotWithShape="0">
-          <a:blip r:embed="rId2">
+          <a:blip r:embed="rId2" cstate="print">
             <a:lum/>
           </a:blip>
           <a:srcRect/>
@@ -1050,9 +1062,6 @@
               </a:rPr>
               <a:t>单击此处编辑母版副标题样式</a:t>
             </a:r>
-            <a:endParaRPr lang="zh-CN" noProof="0" smtClean="0">
-              <a:sym typeface="Arial" panose="02080604020202020204" charset="0"/>
-            </a:endParaRPr>
           </a:p>
         </p:txBody>
       </p:sp>
@@ -1073,6 +1082,8 @@
           <a:p>
             <a:fld id="{8821093A-0132-4EA6-B8B7-7996DCAE376E}" type="datetimeFigureOut">
               <a:rPr lang="zh-CN" altLang="en-US" smtClean="0"/>
+              <a:pPr/>
+              <a:t>2017/7/12</a:t>
             </a:fld>
             <a:endParaRPr lang="zh-CN" altLang="en-US"/>
           </a:p>
@@ -1114,6 +1125,8 @@
           <a:p>
             <a:fld id="{654691D5-4D8D-4982-A5C4-226E8C99C721}" type="slidenum">
               <a:rPr lang="zh-CN" altLang="en-US" smtClean="0"/>
+              <a:pPr/>
+              <a:t>‹#›</a:t>
             </a:fld>
             <a:endParaRPr lang="zh-CN" altLang="en-US"/>
           </a:p>
@@ -1161,6 +1174,8 @@
           <a:p>
             <a:fld id="{8821093A-0132-4EA6-B8B7-7996DCAE376E}" type="datetimeFigureOut">
               <a:rPr lang="zh-CN" altLang="en-US" smtClean="0"/>
+              <a:pPr/>
+              <a:t>2017/7/12</a:t>
             </a:fld>
             <a:endParaRPr lang="zh-CN" altLang="en-US"/>
           </a:p>
@@ -1202,6 +1217,8 @@
           <a:p>
             <a:fld id="{654691D5-4D8D-4982-A5C4-226E8C99C721}" type="slidenum">
               <a:rPr lang="zh-CN" altLang="en-US" smtClean="0"/>
+              <a:pPr/>
+              <a:t>‹#›</a:t>
             </a:fld>
             <a:endParaRPr lang="zh-CN" altLang="en-US"/>
           </a:p>
@@ -1232,7 +1249,6 @@
               <a:rPr lang="zh-CN" altLang="en-US" dirty="0" smtClean="0"/>
               <a:t>单击此处编辑母版文本样式</a:t>
             </a:r>
-            <a:endParaRPr lang="zh-CN" altLang="en-US" dirty="0" smtClean="0"/>
           </a:p>
           <a:p>
             <a:pPr lvl="1"/>
@@ -1240,7 +1256,6 @@
               <a:rPr lang="zh-CN" altLang="en-US" dirty="0" smtClean="0"/>
               <a:t>第二级</a:t>
             </a:r>
-            <a:endParaRPr lang="zh-CN" altLang="en-US" dirty="0" smtClean="0"/>
           </a:p>
           <a:p>
             <a:pPr lvl="2"/>
@@ -1248,7 +1263,6 @@
               <a:rPr lang="zh-CN" altLang="en-US" dirty="0" smtClean="0"/>
               <a:t>第三级</a:t>
             </a:r>
-            <a:endParaRPr lang="zh-CN" altLang="en-US" dirty="0" smtClean="0"/>
           </a:p>
           <a:p>
             <a:pPr lvl="3"/>
@@ -1256,7 +1270,6 @@
               <a:rPr lang="zh-CN" altLang="en-US" dirty="0" smtClean="0"/>
               <a:t>第四级</a:t>
             </a:r>
-            <a:endParaRPr lang="zh-CN" altLang="en-US" dirty="0" smtClean="0"/>
           </a:p>
           <a:p>
             <a:pPr lvl="4"/>
@@ -1399,9 +1412,6 @@
               </a:rPr>
               <a:t>单击此处编辑母版文本样式</a:t>
             </a:r>
-            <a:endParaRPr lang="zh-CN" altLang="zh-CN" dirty="0" smtClean="0">
-              <a:sym typeface="Arial" panose="02080604020202020204" charset="0"/>
-            </a:endParaRPr>
           </a:p>
           <a:p>
             <a:pPr lvl="1"/>
@@ -1411,9 +1421,6 @@
               </a:rPr>
               <a:t>第二级</a:t>
             </a:r>
-            <a:endParaRPr lang="zh-CN" altLang="zh-CN" dirty="0" smtClean="0">
-              <a:sym typeface="Arial" panose="02080604020202020204" charset="0"/>
-            </a:endParaRPr>
           </a:p>
           <a:p>
             <a:pPr lvl="2"/>
@@ -1423,9 +1430,6 @@
               </a:rPr>
               <a:t>第三级</a:t>
             </a:r>
-            <a:endParaRPr lang="zh-CN" altLang="zh-CN" dirty="0" smtClean="0">
-              <a:sym typeface="Arial" panose="02080604020202020204" charset="0"/>
-            </a:endParaRPr>
           </a:p>
           <a:p>
             <a:pPr lvl="3"/>
@@ -1435,9 +1439,6 @@
               </a:rPr>
               <a:t>第四级</a:t>
             </a:r>
-            <a:endParaRPr lang="zh-CN" altLang="zh-CN" dirty="0" smtClean="0">
-              <a:sym typeface="Arial" panose="02080604020202020204" charset="0"/>
-            </a:endParaRPr>
           </a:p>
           <a:p>
             <a:pPr lvl="4"/>
@@ -1447,9 +1448,6 @@
               </a:rPr>
               <a:t>第五级</a:t>
             </a:r>
-            <a:endParaRPr lang="zh-CN" altLang="zh-CN" dirty="0" smtClean="0">
-              <a:sym typeface="Arial" panose="02080604020202020204" charset="0"/>
-            </a:endParaRPr>
           </a:p>
         </p:txBody>
       </p:sp>
@@ -1470,6 +1468,8 @@
           <a:p>
             <a:fld id="{8821093A-0132-4EA6-B8B7-7996DCAE376E}" type="datetimeFigureOut">
               <a:rPr lang="zh-CN" altLang="en-US" smtClean="0"/>
+              <a:pPr/>
+              <a:t>2017/7/12</a:t>
             </a:fld>
             <a:endParaRPr lang="zh-CN" altLang="en-US"/>
           </a:p>
@@ -1511,6 +1511,8 @@
           <a:p>
             <a:fld id="{654691D5-4D8D-4982-A5C4-226E8C99C721}" type="slidenum">
               <a:rPr lang="zh-CN" altLang="en-US" smtClean="0"/>
+              <a:pPr/>
+              <a:t>‹#›</a:t>
             </a:fld>
             <a:endParaRPr lang="zh-CN" altLang="en-US"/>
           </a:p>
@@ -1611,9 +1613,6 @@
               </a:rPr>
               <a:t>单击此处编辑母版副标题样式</a:t>
             </a:r>
-            <a:endParaRPr lang="zh-CN" noProof="0" dirty="0" smtClean="0">
-              <a:sym typeface="Arial" panose="02080604020202020204" charset="0"/>
-            </a:endParaRPr>
           </a:p>
         </p:txBody>
       </p:sp>
@@ -1634,6 +1633,8 @@
           <a:p>
             <a:fld id="{8821093A-0132-4EA6-B8B7-7996DCAE376E}" type="datetimeFigureOut">
               <a:rPr lang="zh-CN" altLang="en-US" smtClean="0"/>
+              <a:pPr/>
+              <a:t>2017/7/12</a:t>
             </a:fld>
             <a:endParaRPr lang="zh-CN" altLang="en-US"/>
           </a:p>
@@ -1675,6 +1676,8 @@
           <a:p>
             <a:fld id="{654691D5-4D8D-4982-A5C4-226E8C99C721}" type="slidenum">
               <a:rPr lang="zh-CN" altLang="en-US" smtClean="0"/>
+              <a:pPr/>
+              <a:t>‹#›</a:t>
             </a:fld>
             <a:endParaRPr lang="zh-CN" altLang="en-US"/>
           </a:p>
@@ -1766,7 +1769,6 @@
               <a:rPr lang="zh-CN" altLang="en-US" dirty="0" smtClean="0"/>
               <a:t>单击此处编辑母版文本样式</a:t>
             </a:r>
-            <a:endParaRPr lang="zh-CN" altLang="en-US" dirty="0" smtClean="0"/>
           </a:p>
           <a:p>
             <a:pPr lvl="1"/>
@@ -1774,7 +1776,6 @@
               <a:rPr lang="zh-CN" altLang="en-US" dirty="0" smtClean="0"/>
               <a:t>第二级</a:t>
             </a:r>
-            <a:endParaRPr lang="zh-CN" altLang="en-US" dirty="0" smtClean="0"/>
           </a:p>
           <a:p>
             <a:pPr lvl="2"/>
@@ -1782,7 +1783,6 @@
               <a:rPr lang="zh-CN" altLang="en-US" dirty="0" smtClean="0"/>
               <a:t>第三级</a:t>
             </a:r>
-            <a:endParaRPr lang="zh-CN" altLang="en-US" dirty="0" smtClean="0"/>
           </a:p>
           <a:p>
             <a:pPr lvl="3"/>
@@ -1790,7 +1790,6 @@
               <a:rPr lang="zh-CN" altLang="en-US" dirty="0" smtClean="0"/>
               <a:t>第四级</a:t>
             </a:r>
-            <a:endParaRPr lang="zh-CN" altLang="en-US" dirty="0" smtClean="0"/>
           </a:p>
           <a:p>
             <a:pPr lvl="4"/>
@@ -1827,7 +1826,6 @@
               <a:rPr lang="zh-CN" altLang="en-US" dirty="0" smtClean="0"/>
               <a:t>单击此处编辑母版文本样式</a:t>
             </a:r>
-            <a:endParaRPr lang="zh-CN" altLang="en-US" dirty="0" smtClean="0"/>
           </a:p>
           <a:p>
             <a:pPr lvl="1"/>
@@ -1835,7 +1833,6 @@
               <a:rPr lang="zh-CN" altLang="en-US" dirty="0" smtClean="0"/>
               <a:t>第二级</a:t>
             </a:r>
-            <a:endParaRPr lang="zh-CN" altLang="en-US" dirty="0" smtClean="0"/>
           </a:p>
           <a:p>
             <a:pPr lvl="2"/>
@@ -1843,7 +1840,6 @@
               <a:rPr lang="zh-CN" altLang="en-US" dirty="0" smtClean="0"/>
               <a:t>第三级</a:t>
             </a:r>
-            <a:endParaRPr lang="zh-CN" altLang="en-US" dirty="0" smtClean="0"/>
           </a:p>
           <a:p>
             <a:pPr lvl="3"/>
@@ -1851,7 +1847,6 @@
               <a:rPr lang="zh-CN" altLang="en-US" dirty="0" smtClean="0"/>
               <a:t>第四级</a:t>
             </a:r>
-            <a:endParaRPr lang="zh-CN" altLang="en-US" dirty="0" smtClean="0"/>
           </a:p>
           <a:p>
             <a:pPr lvl="4"/>
@@ -1880,6 +1875,8 @@
           <a:p>
             <a:fld id="{8821093A-0132-4EA6-B8B7-7996DCAE376E}" type="datetimeFigureOut">
               <a:rPr lang="zh-CN" altLang="en-US" smtClean="0"/>
+              <a:pPr/>
+              <a:t>2017/7/12</a:t>
             </a:fld>
             <a:endParaRPr lang="zh-CN" altLang="en-US"/>
           </a:p>
@@ -1921,6 +1918,8 @@
           <a:p>
             <a:fld id="{654691D5-4D8D-4982-A5C4-226E8C99C721}" type="slidenum">
               <a:rPr lang="zh-CN" altLang="en-US" smtClean="0"/>
+              <a:pPr/>
+              <a:t>‹#›</a:t>
             </a:fld>
             <a:endParaRPr lang="zh-CN" altLang="en-US"/>
           </a:p>
@@ -2041,7 +2040,6 @@
               <a:rPr lang="zh-CN" altLang="en-US" smtClean="0"/>
               <a:t>单击此处编辑母版文本样式</a:t>
             </a:r>
-            <a:endParaRPr lang="zh-CN" altLang="en-US" smtClean="0"/>
           </a:p>
         </p:txBody>
       </p:sp>
@@ -2070,7 +2068,6 @@
               <a:rPr lang="zh-CN" altLang="en-US" smtClean="0"/>
               <a:t>单击此处编辑母版文本样式</a:t>
             </a:r>
-            <a:endParaRPr lang="zh-CN" altLang="en-US" smtClean="0"/>
           </a:p>
           <a:p>
             <a:pPr lvl="1"/>
@@ -2078,7 +2075,6 @@
               <a:rPr lang="zh-CN" altLang="en-US" smtClean="0"/>
               <a:t>第二级</a:t>
             </a:r>
-            <a:endParaRPr lang="zh-CN" altLang="en-US" smtClean="0"/>
           </a:p>
           <a:p>
             <a:pPr lvl="2"/>
@@ -2086,7 +2082,6 @@
               <a:rPr lang="zh-CN" altLang="en-US" smtClean="0"/>
               <a:t>第三级</a:t>
             </a:r>
-            <a:endParaRPr lang="zh-CN" altLang="en-US" smtClean="0"/>
           </a:p>
           <a:p>
             <a:pPr lvl="3"/>
@@ -2094,7 +2089,6 @@
               <a:rPr lang="zh-CN" altLang="en-US" smtClean="0"/>
               <a:t>第四级</a:t>
             </a:r>
-            <a:endParaRPr lang="zh-CN" altLang="en-US" smtClean="0"/>
           </a:p>
           <a:p>
             <a:pPr lvl="4"/>
@@ -2168,7 +2162,6 @@
               <a:rPr lang="zh-CN" altLang="en-US" smtClean="0"/>
               <a:t>单击此处编辑母版文本样式</a:t>
             </a:r>
-            <a:endParaRPr lang="zh-CN" altLang="en-US" smtClean="0"/>
           </a:p>
         </p:txBody>
       </p:sp>
@@ -2197,7 +2190,6 @@
               <a:rPr lang="zh-CN" altLang="en-US" smtClean="0"/>
               <a:t>单击此处编辑母版文本样式</a:t>
             </a:r>
-            <a:endParaRPr lang="zh-CN" altLang="en-US" smtClean="0"/>
           </a:p>
           <a:p>
             <a:pPr lvl="1"/>
@@ -2205,7 +2197,6 @@
               <a:rPr lang="zh-CN" altLang="en-US" smtClean="0"/>
               <a:t>第二级</a:t>
             </a:r>
-            <a:endParaRPr lang="zh-CN" altLang="en-US" smtClean="0"/>
           </a:p>
           <a:p>
             <a:pPr lvl="2"/>
@@ -2213,7 +2204,6 @@
               <a:rPr lang="zh-CN" altLang="en-US" smtClean="0"/>
               <a:t>第三级</a:t>
             </a:r>
-            <a:endParaRPr lang="zh-CN" altLang="en-US" smtClean="0"/>
           </a:p>
           <a:p>
             <a:pPr lvl="3"/>
@@ -2221,7 +2211,6 @@
               <a:rPr lang="zh-CN" altLang="en-US" smtClean="0"/>
               <a:t>第四级</a:t>
             </a:r>
-            <a:endParaRPr lang="zh-CN" altLang="en-US" smtClean="0"/>
           </a:p>
           <a:p>
             <a:pPr lvl="4"/>
@@ -2250,6 +2239,8 @@
           <a:p>
             <a:fld id="{8821093A-0132-4EA6-B8B7-7996DCAE376E}" type="datetimeFigureOut">
               <a:rPr lang="zh-CN" altLang="en-US" smtClean="0"/>
+              <a:pPr/>
+              <a:t>2017/7/12</a:t>
             </a:fld>
             <a:endParaRPr lang="zh-CN" altLang="en-US"/>
           </a:p>
@@ -2291,6 +2282,8 @@
           <a:p>
             <a:fld id="{654691D5-4D8D-4982-A5C4-226E8C99C721}" type="slidenum">
               <a:rPr lang="zh-CN" altLang="en-US" smtClean="0"/>
+              <a:pPr/>
+              <a:t>‹#›</a:t>
             </a:fld>
             <a:endParaRPr lang="zh-CN" altLang="en-US"/>
           </a:p>
@@ -2395,9 +2388,6 @@
               </a:rPr>
               <a:t>单击此处编辑母版副标题样式</a:t>
             </a:r>
-            <a:endParaRPr lang="zh-CN" noProof="0" smtClean="0">
-              <a:sym typeface="Arial" panose="02080604020202020204" charset="0"/>
-            </a:endParaRPr>
           </a:p>
         </p:txBody>
       </p:sp>
@@ -2418,6 +2408,8 @@
           <a:p>
             <a:fld id="{8821093A-0132-4EA6-B8B7-7996DCAE376E}" type="datetimeFigureOut">
               <a:rPr lang="zh-CN" altLang="en-US" smtClean="0"/>
+              <a:pPr/>
+              <a:t>2017/7/12</a:t>
             </a:fld>
             <a:endParaRPr lang="zh-CN" altLang="en-US"/>
           </a:p>
@@ -2459,6 +2451,8 @@
           <a:p>
             <a:fld id="{654691D5-4D8D-4982-A5C4-226E8C99C721}" type="slidenum">
               <a:rPr lang="zh-CN" altLang="en-US" smtClean="0"/>
+              <a:pPr/>
+              <a:t>‹#›</a:t>
             </a:fld>
             <a:endParaRPr lang="zh-CN" altLang="en-US"/>
           </a:p>
@@ -2508,7 +2502,7 @@
             <a:effectLst/>
             <a:extLst>
               <a:ext uri="{91240B29-F687-4F45-9708-019B960494DF}">
-                <a14:hiddenLine xmlns:a14="http://schemas.microsoft.com/office/drawing/2010/main" w="9525">
+                <a14:hiddenLine xmlns:a14="http://schemas.microsoft.com/office/drawing/2010/main" xmlns="" w="9525">
                   <a:solidFill>
                     <a:srgbClr val="000000"/>
                   </a:solidFill>
@@ -2518,7 +2512,7 @@
                 </a14:hiddenLine>
               </a:ext>
               <a:ext uri="{AF507438-7753-43E0-B8FC-AC1667EBCBE1}">
-                <a14:hiddenEffects xmlns:a14="http://schemas.microsoft.com/office/drawing/2010/main">
+                <a14:hiddenEffects xmlns:a14="http://schemas.microsoft.com/office/drawing/2010/main" xmlns="">
                   <a:effectLst>
                     <a:outerShdw dist="35921" dir="2700000" algn="ctr" rotWithShape="0">
                       <a:schemeClr val="bg2"/>
@@ -2718,7 +2712,7 @@
             <a:effectLst/>
             <a:extLst>
               <a:ext uri="{91240B29-F687-4F45-9708-019B960494DF}">
-                <a14:hiddenLine xmlns:a14="http://schemas.microsoft.com/office/drawing/2010/main" w="9525">
+                <a14:hiddenLine xmlns:a14="http://schemas.microsoft.com/office/drawing/2010/main" xmlns="" w="9525">
                   <a:solidFill>
                     <a:srgbClr val="000000"/>
                   </a:solidFill>
@@ -2728,7 +2722,7 @@
                 </a14:hiddenLine>
               </a:ext>
               <a:ext uri="{AF507438-7753-43E0-B8FC-AC1667EBCBE1}">
-                <a14:hiddenEffects xmlns:a14="http://schemas.microsoft.com/office/drawing/2010/main">
+                <a14:hiddenEffects xmlns:a14="http://schemas.microsoft.com/office/drawing/2010/main" xmlns="">
                   <a:effectLst>
                     <a:outerShdw dist="35921" dir="2700000" algn="ctr" rotWithShape="0">
                       <a:schemeClr val="bg2"/>
@@ -2928,7 +2922,7 @@
             <a:effectLst/>
             <a:extLst>
               <a:ext uri="{91240B29-F687-4F45-9708-019B960494DF}">
-                <a14:hiddenLine xmlns:a14="http://schemas.microsoft.com/office/drawing/2010/main" w="9525">
+                <a14:hiddenLine xmlns:a14="http://schemas.microsoft.com/office/drawing/2010/main" xmlns="" w="9525">
                   <a:solidFill>
                     <a:srgbClr val="000000"/>
                   </a:solidFill>
@@ -2938,7 +2932,7 @@
                 </a14:hiddenLine>
               </a:ext>
               <a:ext uri="{AF507438-7753-43E0-B8FC-AC1667EBCBE1}">
-                <a14:hiddenEffects xmlns:a14="http://schemas.microsoft.com/office/drawing/2010/main">
+                <a14:hiddenEffects xmlns:a14="http://schemas.microsoft.com/office/drawing/2010/main" xmlns="">
                   <a:effectLst>
                     <a:outerShdw dist="35921" dir="2700000" algn="ctr" rotWithShape="0">
                       <a:schemeClr val="bg2"/>
@@ -3151,6 +3145,8 @@
           <a:p>
             <a:fld id="{8821093A-0132-4EA6-B8B7-7996DCAE376E}" type="datetimeFigureOut">
               <a:rPr lang="zh-CN" altLang="en-US" smtClean="0"/>
+              <a:pPr/>
+              <a:t>2017/7/12</a:t>
             </a:fld>
             <a:endParaRPr lang="zh-CN" altLang="en-US"/>
           </a:p>
@@ -3192,6 +3188,8 @@
           <a:p>
             <a:fld id="{654691D5-4D8D-4982-A5C4-226E8C99C721}" type="slidenum">
               <a:rPr lang="zh-CN" altLang="en-US" smtClean="0"/>
+              <a:pPr/>
+              <a:t>‹#›</a:t>
             </a:fld>
             <a:endParaRPr lang="zh-CN" altLang="en-US"/>
           </a:p>
@@ -3380,7 +3378,6 @@
               <a:rPr lang="zh-CN" altLang="en-US" smtClean="0"/>
               <a:t>单击此处编辑母版文本样式</a:t>
             </a:r>
-            <a:endParaRPr lang="zh-CN" altLang="en-US" smtClean="0"/>
           </a:p>
         </p:txBody>
       </p:sp>
@@ -3401,6 +3398,8 @@
           <a:p>
             <a:fld id="{8821093A-0132-4EA6-B8B7-7996DCAE376E}" type="datetimeFigureOut">
               <a:rPr lang="zh-CN" altLang="en-US" smtClean="0"/>
+              <a:pPr/>
+              <a:t>2017/7/12</a:t>
             </a:fld>
             <a:endParaRPr lang="zh-CN" altLang="en-US"/>
           </a:p>
@@ -3442,6 +3441,8 @@
           <a:p>
             <a:fld id="{654691D5-4D8D-4982-A5C4-226E8C99C721}" type="slidenum">
               <a:rPr lang="zh-CN" altLang="en-US" smtClean="0"/>
+              <a:pPr/>
+              <a:t>‹#›</a:t>
             </a:fld>
             <a:endParaRPr lang="zh-CN" altLang="en-US"/>
           </a:p>
@@ -3525,7 +3526,6 @@
               <a:rPr lang="zh-CN" altLang="en-US" dirty="0" smtClean="0"/>
               <a:t>单击此处编辑母版文本样式</a:t>
             </a:r>
-            <a:endParaRPr lang="zh-CN" altLang="en-US" dirty="0" smtClean="0"/>
           </a:p>
           <a:p>
             <a:pPr lvl="1"/>
@@ -3533,7 +3533,6 @@
               <a:rPr lang="zh-CN" altLang="en-US" dirty="0" smtClean="0"/>
               <a:t>第二级</a:t>
             </a:r>
-            <a:endParaRPr lang="zh-CN" altLang="en-US" dirty="0" smtClean="0"/>
           </a:p>
           <a:p>
             <a:pPr lvl="2"/>
@@ -3541,7 +3540,6 @@
               <a:rPr lang="zh-CN" altLang="en-US" dirty="0" smtClean="0"/>
               <a:t>第三级</a:t>
             </a:r>
-            <a:endParaRPr lang="zh-CN" altLang="en-US" dirty="0" smtClean="0"/>
           </a:p>
           <a:p>
             <a:pPr lvl="3"/>
@@ -3549,7 +3547,6 @@
               <a:rPr lang="zh-CN" altLang="en-US" dirty="0" smtClean="0"/>
               <a:t>第四级</a:t>
             </a:r>
-            <a:endParaRPr lang="zh-CN" altLang="en-US" dirty="0" smtClean="0"/>
           </a:p>
           <a:p>
             <a:pPr lvl="4"/>
@@ -3578,6 +3575,8 @@
           <a:p>
             <a:fld id="{8821093A-0132-4EA6-B8B7-7996DCAE376E}" type="datetimeFigureOut">
               <a:rPr lang="zh-CN" altLang="en-US" smtClean="0"/>
+              <a:pPr/>
+              <a:t>2017/7/12</a:t>
             </a:fld>
             <a:endParaRPr lang="zh-CN" altLang="en-US"/>
           </a:p>
@@ -3619,6 +3618,8 @@
           <a:p>
             <a:fld id="{654691D5-4D8D-4982-A5C4-226E8C99C721}" type="slidenum">
               <a:rPr lang="zh-CN" altLang="en-US" smtClean="0"/>
+              <a:pPr/>
+              <a:t>‹#›</a:t>
             </a:fld>
             <a:endParaRPr lang="zh-CN" altLang="en-US"/>
           </a:p>
@@ -3638,7 +3639,7 @@
     <p:bg bwMode="auto">
       <p:bgPr>
         <a:blipFill dpi="0" rotWithShape="0">
-          <a:blip r:embed="rId11">
+          <a:blip r:embed="rId12" cstate="print">
             <a:lum/>
           </a:blip>
           <a:srcRect/>
@@ -3687,14 +3688,14 @@
           </a:ln>
           <a:extLst>
             <a:ext uri="{909E8E84-426E-40DD-AFC4-6F175D3DCCD1}">
-              <a14:hiddenFill xmlns:a14="http://schemas.microsoft.com/office/drawing/2010/main">
+              <a14:hiddenFill xmlns:a14="http://schemas.microsoft.com/office/drawing/2010/main" xmlns="">
                 <a:solidFill>
                   <a:srgbClr val="FFFFFF"/>
                 </a:solidFill>
               </a14:hiddenFill>
             </a:ext>
             <a:ext uri="{91240B29-F687-4F45-9708-019B960494DF}">
-              <a14:hiddenLine xmlns:a14="http://schemas.microsoft.com/office/drawing/2010/main" w="9525">
+              <a14:hiddenLine xmlns:a14="http://schemas.microsoft.com/office/drawing/2010/main" xmlns="" w="9525">
                 <a:solidFill>
                   <a:srgbClr val="000000"/>
                 </a:solidFill>
@@ -3718,9 +3719,6 @@
               </a:rPr>
               <a:t>单击此处编辑母版标题样式</a:t>
             </a:r>
-            <a:endParaRPr lang="zh-CN" smtClean="0">
-              <a:sym typeface="Arial" panose="02080604020202020204" charset="0"/>
-            </a:endParaRPr>
           </a:p>
         </p:txBody>
       </p:sp>
@@ -3748,14 +3746,14 @@
           </a:ln>
           <a:extLst>
             <a:ext uri="{909E8E84-426E-40DD-AFC4-6F175D3DCCD1}">
-              <a14:hiddenFill xmlns:a14="http://schemas.microsoft.com/office/drawing/2010/main">
+              <a14:hiddenFill xmlns:a14="http://schemas.microsoft.com/office/drawing/2010/main" xmlns="">
                 <a:solidFill>
                   <a:srgbClr val="FFFFFF"/>
                 </a:solidFill>
               </a14:hiddenFill>
             </a:ext>
             <a:ext uri="{91240B29-F687-4F45-9708-019B960494DF}">
-              <a14:hiddenLine xmlns:a14="http://schemas.microsoft.com/office/drawing/2010/main" w="9525">
+              <a14:hiddenLine xmlns:a14="http://schemas.microsoft.com/office/drawing/2010/main" xmlns="" w="9525">
                 <a:solidFill>
                   <a:srgbClr val="000000"/>
                 </a:solidFill>
@@ -3779,9 +3777,6 @@
               </a:rPr>
               <a:t>单击此处编辑母版文本样式</a:t>
             </a:r>
-            <a:endParaRPr lang="zh-CN" dirty="0" smtClean="0">
-              <a:sym typeface="Arial" panose="02080604020202020204" charset="0"/>
-            </a:endParaRPr>
           </a:p>
           <a:p>
             <a:pPr lvl="1"/>
@@ -3791,9 +3786,6 @@
               </a:rPr>
               <a:t>第二级</a:t>
             </a:r>
-            <a:endParaRPr lang="zh-CN" dirty="0" smtClean="0">
-              <a:sym typeface="Arial" panose="02080604020202020204" charset="0"/>
-            </a:endParaRPr>
           </a:p>
           <a:p>
             <a:pPr lvl="2"/>
@@ -3803,9 +3795,6 @@
               </a:rPr>
               <a:t>第三级</a:t>
             </a:r>
-            <a:endParaRPr lang="zh-CN" dirty="0" smtClean="0">
-              <a:sym typeface="Arial" panose="02080604020202020204" charset="0"/>
-            </a:endParaRPr>
           </a:p>
           <a:p>
             <a:pPr lvl="3"/>
@@ -3815,9 +3804,6 @@
               </a:rPr>
               <a:t>第四级</a:t>
             </a:r>
-            <a:endParaRPr lang="zh-CN" dirty="0" smtClean="0">
-              <a:sym typeface="Arial" panose="02080604020202020204" charset="0"/>
-            </a:endParaRPr>
           </a:p>
           <a:p>
             <a:pPr lvl="4"/>
@@ -3827,9 +3813,6 @@
               </a:rPr>
               <a:t>第五级</a:t>
             </a:r>
-            <a:endParaRPr lang="zh-CN" dirty="0" smtClean="0">
-              <a:sym typeface="Arial" panose="02080604020202020204" charset="0"/>
-            </a:endParaRPr>
           </a:p>
         </p:txBody>
       </p:sp>
@@ -3870,6 +3853,8 @@
           <a:p>
             <a:fld id="{8821093A-0132-4EA6-B8B7-7996DCAE376E}" type="datetimeFigureOut">
               <a:rPr lang="zh-CN" altLang="en-US" smtClean="0"/>
+              <a:pPr/>
+              <a:t>2017/7/12</a:t>
             </a:fld>
             <a:endParaRPr lang="zh-CN" altLang="en-US"/>
           </a:p>
@@ -3951,6 +3936,8 @@
           <a:p>
             <a:fld id="{654691D5-4D8D-4982-A5C4-226E8C99C721}" type="slidenum">
               <a:rPr lang="zh-CN" altLang="en-US" smtClean="0"/>
+              <a:pPr/>
+              <a:t>‹#›</a:t>
             </a:fld>
             <a:endParaRPr lang="zh-CN" altLang="en-US"/>
           </a:p>
@@ -4439,10 +4426,6 @@
               </a:rPr>
               <a:t>DMQB Project 2</a:t>
             </a:r>
-            <a:endParaRPr lang="x-none" altLang="zh-CN" sz="4000" dirty="0" smtClean="0">
-              <a:latin typeface="+mj-lt"/>
-              <a:ea typeface="+mj-ea"/>
-            </a:endParaRPr>
           </a:p>
         </p:txBody>
       </p:sp>
@@ -4480,10 +4463,6 @@
               </a:rPr>
               <a:t>Comparison of Google Fit user data</a:t>
             </a:r>
-            <a:endParaRPr lang="x-none" altLang="zh-CN" dirty="0" smtClean="0">
-              <a:latin typeface="+mn-lt"/>
-              <a:ea typeface="+mn-ea"/>
-            </a:endParaRPr>
           </a:p>
         </p:txBody>
       </p:sp>
@@ -4507,14 +4486,14 @@
           </a:ln>
           <a:extLst>
             <a:ext uri="{909E8E84-426E-40DD-AFC4-6F175D3DCCD1}">
-              <a14:hiddenFill xmlns:a14="http://schemas.microsoft.com/office/drawing/2010/main">
+              <a14:hiddenFill xmlns:a14="http://schemas.microsoft.com/office/drawing/2010/main" xmlns="">
                 <a:solidFill>
                   <a:srgbClr val="FFFFFF"/>
                 </a:solidFill>
               </a14:hiddenFill>
             </a:ext>
             <a:ext uri="{91240B29-F687-4F45-9708-019B960494DF}">
-              <a14:hiddenLine xmlns:a14="http://schemas.microsoft.com/office/drawing/2010/main" w="9525">
+              <a14:hiddenLine xmlns:a14="http://schemas.microsoft.com/office/drawing/2010/main" xmlns="" w="9525">
                 <a:solidFill>
                   <a:srgbClr val="000000"/>
                 </a:solidFill>
@@ -4527,7 +4506,7 @@
         </p:spPr>
         <p:txBody>
           <a:bodyPr wrap="square">
-            <a:normAutofit fontScale="60000"/>
+            <a:normAutofit fontScale="67500" lnSpcReduction="10000"/>
           </a:bodyPr>
           <a:lstStyle>
             <a:defPPr>
@@ -4646,11 +4625,6 @@
               </a:rPr>
               <a:t>Pierre Delpy</a:t>
             </a:r>
-            <a:endParaRPr lang="x-none" altLang="en-US" dirty="0" smtClean="0">
-              <a:solidFill>
-                <a:srgbClr val="EFDB6D"/>
-              </a:solidFill>
-            </a:endParaRPr>
           </a:p>
           <a:p>
             <a:r>
@@ -4661,6 +4635,14 @@
               </a:rPr>
               <a:t>Priya</a:t>
             </a:r>
+            <a:r>
+              <a:rPr lang="zh-CN" altLang="en-US" dirty="0">
+                <a:solidFill>
+                  <a:srgbClr val="EFDB6D"/>
+                </a:solidFill>
+              </a:rPr>
+              <a:t/>
+            </a:r>
             <a:br>
               <a:rPr lang="zh-CN" altLang="en-US" dirty="0">
                 <a:solidFill>
@@ -4676,11 +4658,6 @@
               </a:rPr>
               <a:t>Caspar Groß</a:t>
             </a:r>
-            <a:endParaRPr lang="x-none" altLang="zh-CN" dirty="0">
-              <a:solidFill>
-                <a:srgbClr val="EFDB6D"/>
-              </a:solidFill>
-            </a:endParaRPr>
           </a:p>
         </p:txBody>
       </p:sp>
@@ -4701,7 +4678,14 @@
         <p:cNvGrpSpPr/>
         <p:nvPr/>
       </p:nvGrpSpPr>
-      <p:grpSpPr/>
+      <p:grpSpPr>
+        <a:xfrm>
+          <a:off x="0" y="0"/>
+          <a:ext cx="0" cy="0"/>
+          <a:chOff x="0" y="0"/>
+          <a:chExt cx="0" cy="0"/>
+        </a:xfrm>
+      </p:grpSpPr>
       <p:sp>
         <p:nvSpPr>
           <p:cNvPr id="2" name="Title 1"/>
@@ -4715,26 +4699,14 @@
         <p:spPr/>
         <p:txBody>
           <a:bodyPr/>
+          <a:lstStyle/>
           <a:p>
             <a:r>
               <a:rPr lang="x-none" altLang="de-DE"/>
               <a:t>Data visualization</a:t>
             </a:r>
-            <a:endParaRPr lang="x-none" altLang="de-DE"/>
           </a:p>
         </p:txBody>
-      </p:sp>
-      <p:sp>
-        <p:nvSpPr>
-          <p:cNvPr id="3" name="Picture Placeholder 2"/>
-          <p:cNvSpPr>
-            <a:spLocks noGrp="1"/>
-          </p:cNvSpPr>
-          <p:nvPr>
-            <p:ph type="pic" idx="1"/>
-          </p:nvPr>
-        </p:nvSpPr>
-        <p:spPr/>
       </p:sp>
       <p:sp>
         <p:nvSpPr>
@@ -4749,6 +4721,7 @@
         <p:spPr/>
         <p:txBody>
           <a:bodyPr/>
+          <a:lstStyle/>
           <a:p>
             <a:pPr marL="342900" indent="-342900">
               <a:buFont typeface="Arial" panose="02080604020202020204" charset="0"/>
@@ -4758,7 +4731,6 @@
               <a:rPr lang="x-none" altLang="de-DE"/>
               <a:t>D3.js</a:t>
             </a:r>
-            <a:endParaRPr lang="x-none" altLang="de-DE"/>
           </a:p>
           <a:p>
             <a:pPr marL="342900" indent="-342900">
@@ -4769,7 +4741,6 @@
               <a:rPr lang="x-none" altLang="de-DE"/>
               <a:t>Parsed JSON File</a:t>
             </a:r>
-            <a:endParaRPr lang="x-none" altLang="de-DE"/>
           </a:p>
           <a:p>
             <a:pPr marL="342900" indent="-342900">
@@ -4780,10 +4751,33 @@
               <a:rPr lang="x-none" altLang="de-DE"/>
               <a:t>Graph</a:t>
             </a:r>
-            <a:endParaRPr lang="x-none" altLang="de-DE"/>
           </a:p>
         </p:txBody>
       </p:sp>
+      <p:pic>
+        <p:nvPicPr>
+          <p:cNvPr id="11" name="Picture Placeholder 10" descr="visualize.jpg"/>
+          <p:cNvPicPr>
+            <a:picLocks noGrp="1" noChangeAspect="1"/>
+          </p:cNvPicPr>
+          <p:nvPr>
+            <p:ph type="pic" idx="1"/>
+          </p:nvPr>
+        </p:nvPicPr>
+        <p:blipFill>
+          <a:blip r:embed="rId2" cstate="print"/>
+          <a:srcRect l="16585" r="16585"/>
+          <a:stretch>
+            <a:fillRect/>
+          </a:stretch>
+        </p:blipFill>
+        <p:spPr>
+          <a:xfrm>
+            <a:off x="5050302" y="1800663"/>
+            <a:ext cx="5022165" cy="4466493"/>
+          </a:xfrm>
+        </p:spPr>
+      </p:pic>
     </p:spTree>
   </p:cSld>
   <p:clrMapOvr>
@@ -4801,7 +4795,14 @@
         <p:cNvGrpSpPr/>
         <p:nvPr/>
       </p:nvGrpSpPr>
-      <p:grpSpPr/>
+      <p:grpSpPr>
+        <a:xfrm>
+          <a:off x="0" y="0"/>
+          <a:ext cx="0" cy="0"/>
+          <a:chOff x="0" y="0"/>
+          <a:chExt cx="0" cy="0"/>
+        </a:xfrm>
+      </p:grpSpPr>
       <p:sp>
         <p:nvSpPr>
           <p:cNvPr id="2" name="Title 1"/>
@@ -4815,12 +4816,12 @@
         <p:spPr/>
         <p:txBody>
           <a:bodyPr/>
+          <a:lstStyle/>
           <a:p>
             <a:r>
               <a:rPr lang="x-none" altLang="de-DE"/>
               <a:t>Graph</a:t>
             </a:r>
-            <a:endParaRPr lang="x-none" altLang="de-DE"/>
           </a:p>
         </p:txBody>
       </p:sp>
@@ -4837,15 +4838,47 @@
         <p:spPr/>
         <p:txBody>
           <a:bodyPr/>
+          <a:lstStyle/>
           <a:p>
             <a:r>
               <a:rPr lang="x-none" altLang="de-DE"/>
               <a:t>Picture of graph</a:t>
             </a:r>
-            <a:endParaRPr lang="x-none" altLang="de-DE"/>
           </a:p>
         </p:txBody>
       </p:sp>
+      <p:pic>
+        <p:nvPicPr>
+          <p:cNvPr id="2050" name="Picture 2"/>
+          <p:cNvPicPr>
+            <a:picLocks noChangeAspect="1" noChangeArrowheads="1"/>
+          </p:cNvPicPr>
+          <p:nvPr/>
+        </p:nvPicPr>
+        <p:blipFill>
+          <a:blip r:embed="rId2" cstate="print"/>
+          <a:srcRect/>
+          <a:stretch>
+            <a:fillRect/>
+          </a:stretch>
+        </p:blipFill>
+        <p:spPr bwMode="auto">
+          <a:xfrm>
+            <a:off x="685729" y="1613242"/>
+            <a:ext cx="8570814" cy="5010150"/>
+          </a:xfrm>
+          <a:prstGeom prst="rect">
+            <a:avLst/>
+          </a:prstGeom>
+          <a:noFill/>
+          <a:ln w="9525">
+            <a:noFill/>
+            <a:miter lim="800000"/>
+            <a:headEnd/>
+            <a:tailEnd/>
+          </a:ln>
+        </p:spPr>
+      </p:pic>
     </p:spTree>
   </p:cSld>
   <p:clrMapOvr>
@@ -4863,7 +4896,14 @@
         <p:cNvGrpSpPr/>
         <p:nvPr/>
       </p:nvGrpSpPr>
-      <p:grpSpPr/>
+      <p:grpSpPr>
+        <a:xfrm>
+          <a:off x="0" y="0"/>
+          <a:ext cx="0" cy="0"/>
+          <a:chOff x="0" y="0"/>
+          <a:chExt cx="0" cy="0"/>
+        </a:xfrm>
+      </p:grpSpPr>
       <p:sp>
         <p:nvSpPr>
           <p:cNvPr id="2" name="Title 1"/>
@@ -4877,12 +4917,12 @@
         <p:spPr/>
         <p:txBody>
           <a:bodyPr/>
+          <a:lstStyle/>
           <a:p>
             <a:r>
               <a:rPr lang="x-none" altLang="de-DE"/>
               <a:t>Outlook		</a:t>
             </a:r>
-            <a:endParaRPr lang="x-none" altLang="de-DE"/>
           </a:p>
         </p:txBody>
       </p:sp>
@@ -4899,28 +4939,89 @@
         <p:spPr/>
         <p:txBody>
           <a:bodyPr/>
-          <a:p>
+          <a:lstStyle/>
+          <a:p>
+            <a:pPr>
+              <a:buFont typeface="Arial" pitchFamily="34" charset="0"/>
+              <a:buChar char="•"/>
+            </a:pPr>
             <a:r>
               <a:rPr lang="x-none" altLang="de-DE"/>
               <a:t>Further integration of additional functions</a:t>
             </a:r>
-            <a:endParaRPr lang="x-none" altLang="de-DE"/>
-          </a:p>
-          <a:p>
+          </a:p>
+          <a:p>
+            <a:r>
+              <a:rPr lang="x-none" altLang="de-DE" smtClean="0"/>
+              <a:t>Integration </a:t>
+            </a:r>
             <a:r>
               <a:rPr lang="x-none" altLang="de-DE"/>
-              <a:t>Integratiokn into existing vaading structures</a:t>
-            </a:r>
-            <a:endParaRPr lang="x-none" altLang="de-DE"/>
+              <a:t>into existing vaading structures</a:t>
+            </a:r>
           </a:p>
           <a:p>
             <a:r>
               <a:rPr lang="x-none" altLang="de-DE"/>
               <a:t>Other gadgets and fitness providers</a:t>
             </a:r>
-            <a:endParaRPr lang="x-none" altLang="de-DE"/>
-          </a:p>
-          <a:p>
+          </a:p>
+          <a:p>
+            <a:endParaRPr lang="en-IN" dirty="0" smtClean="0"/>
+          </a:p>
+          <a:p>
+            <a:pPr>
+              <a:buFont typeface="Arial" pitchFamily="34" charset="0"/>
+              <a:buChar char="•"/>
+            </a:pPr>
+            <a:r>
+              <a:rPr lang="en-IN" dirty="0" smtClean="0"/>
+              <a:t>Further </a:t>
+            </a:r>
+            <a:r>
+              <a:rPr lang="en-IN" dirty="0" smtClean="0"/>
+              <a:t>improvement of our program </a:t>
+            </a:r>
+            <a:r>
+              <a:rPr lang="en-IN" dirty="0" smtClean="0"/>
+              <a:t>might </a:t>
+            </a:r>
+            <a:r>
+              <a:rPr lang="en-IN" dirty="0" smtClean="0"/>
+              <a:t>include other fitness data available on</a:t>
+            </a:r>
+          </a:p>
+          <a:p>
+            <a:r>
+              <a:rPr lang="en-IN" dirty="0" err="1" smtClean="0"/>
+              <a:t>google</a:t>
+            </a:r>
+            <a:r>
+              <a:rPr lang="en-IN" dirty="0" smtClean="0"/>
+              <a:t> fit, like cycling or running data. A more complex improvement would be to also</a:t>
+            </a:r>
+          </a:p>
+          <a:p>
+            <a:r>
+              <a:rPr lang="en-IN" dirty="0" smtClean="0"/>
+              <a:t>include fitness data of other platforms like </a:t>
+            </a:r>
+            <a:r>
+              <a:rPr lang="en-IN" dirty="0" err="1" smtClean="0"/>
+              <a:t>Withings</a:t>
+            </a:r>
+            <a:r>
+              <a:rPr lang="en-IN" dirty="0" smtClean="0"/>
+              <a:t> </a:t>
+            </a:r>
+            <a:r>
+              <a:rPr lang="en-IN" dirty="0" smtClean="0"/>
+              <a:t>or </a:t>
+            </a:r>
+            <a:r>
+              <a:rPr lang="en-IN" dirty="0" err="1" smtClean="0"/>
+              <a:t>Fitbit</a:t>
+            </a:r>
             <a:endParaRPr lang="x-none" altLang="de-DE"/>
           </a:p>
         </p:txBody>
@@ -4998,11 +5099,6 @@
               </a:rPr>
               <a:t>Aim of our application</a:t>
             </a:r>
-            <a:endParaRPr lang="x-none" altLang="zh-CN" dirty="0">
-              <a:solidFill>
-                <a:schemeClr val="bg2"/>
-              </a:solidFill>
-            </a:endParaRPr>
           </a:p>
         </p:txBody>
       </p:sp>
@@ -5128,28 +5224,24 @@
               <a:rPr lang="x-none" altLang="zh-CN" sz="2400" smtClean="0"/>
               <a:t>Access Google Fit user data and store in database</a:t>
             </a:r>
-            <a:endParaRPr lang="x-none" altLang="zh-CN" sz="2400" smtClean="0"/>
           </a:p>
           <a:p>
             <a:r>
               <a:rPr lang="x-none" altLang="zh-CN" sz="2400" dirty="0"/>
               <a:t>Create summary statistics for all users in our database</a:t>
             </a:r>
-            <a:endParaRPr lang="x-none" altLang="zh-CN" sz="2400" dirty="0"/>
           </a:p>
           <a:p>
             <a:r>
               <a:rPr lang="x-none" altLang="zh-CN" sz="2400" dirty="0"/>
               <a:t>Visualize your daily steps in comparison to all others in the database</a:t>
             </a:r>
-            <a:endParaRPr lang="x-none" altLang="zh-CN" sz="2400" dirty="0"/>
           </a:p>
           <a:p>
             <a:r>
               <a:rPr lang="x-none" altLang="zh-CN" sz="2400" dirty="0"/>
               <a:t>Easily extendable and reusable</a:t>
             </a:r>
-            <a:endParaRPr lang="x-none" altLang="zh-CN" sz="2400" dirty="0"/>
           </a:p>
           <a:p>
             <a:endParaRPr lang="x-none" altLang="zh-CN" sz="2400" dirty="0"/>
@@ -5168,7 +5260,7 @@
           <p:nvPr/>
         </p:nvPicPr>
         <p:blipFill>
-          <a:blip r:embed="rId1"/>
+          <a:blip r:embed="rId3" cstate="print"/>
           <a:stretch>
             <a:fillRect/>
           </a:stretch>
@@ -5234,12 +5326,12 @@
           <a:effectLst/>
           <a:extLst>
             <a:ext uri="{909E8E84-426E-40DD-AFC4-6F175D3DCCD1}">
-              <a14:hiddenFill xmlns:a14="http://schemas.microsoft.com/office/drawing/2010/main">
+              <a14:hiddenFill xmlns:a14="http://schemas.microsoft.com/office/drawing/2010/main" xmlns="">
                 <a:noFill/>
               </a14:hiddenFill>
             </a:ext>
             <a:ext uri="{AF507438-7753-43E0-B8FC-AC1667EBCBE1}">
-              <a14:hiddenEffects xmlns:a14="http://schemas.microsoft.com/office/drawing/2010/main">
+              <a14:hiddenEffects xmlns:a14="http://schemas.microsoft.com/office/drawing/2010/main" xmlns="">
                 <a:effectLst>
                   <a:outerShdw dist="35921" dir="2700000" algn="ctr" rotWithShape="0">
                     <a:srgbClr val="808080"/>
@@ -5441,13 +5533,6 @@
               </a:rPr>
               <a:t>1</a:t>
             </a:r>
-            <a:endParaRPr lang="zh-CN" altLang="zh-CN" sz="3200">
-              <a:solidFill>
-                <a:schemeClr val="hlink"/>
-              </a:solidFill>
-              <a:latin typeface="+mn-lt"/>
-              <a:ea typeface="+mn-ea"/>
-            </a:endParaRPr>
           </a:p>
         </p:txBody>
       </p:sp>
@@ -5642,13 +5727,6 @@
               </a:rPr>
               <a:t>2</a:t>
             </a:r>
-            <a:endParaRPr lang="zh-CN" altLang="zh-CN" sz="3200">
-              <a:solidFill>
-                <a:schemeClr val="hlink"/>
-              </a:solidFill>
-              <a:latin typeface="+mn-lt"/>
-              <a:ea typeface="+mn-ea"/>
-            </a:endParaRPr>
           </a:p>
         </p:txBody>
       </p:sp>
@@ -5843,13 +5921,6 @@
               </a:rPr>
               <a:t>3</a:t>
             </a:r>
-            <a:endParaRPr lang="zh-CN" altLang="zh-CN" sz="3200">
-              <a:solidFill>
-                <a:schemeClr val="hlink"/>
-              </a:solidFill>
-              <a:latin typeface="+mn-lt"/>
-              <a:ea typeface="+mn-ea"/>
-            </a:endParaRPr>
           </a:p>
         </p:txBody>
       </p:sp>
@@ -5873,14 +5944,14 @@
           </a:ln>
           <a:extLst>
             <a:ext uri="{909E8E84-426E-40DD-AFC4-6F175D3DCCD1}">
-              <a14:hiddenFill xmlns:a14="http://schemas.microsoft.com/office/drawing/2010/main">
+              <a14:hiddenFill xmlns:a14="http://schemas.microsoft.com/office/drawing/2010/main" xmlns="">
                 <a:solidFill>
                   <a:srgbClr val="FFFFFF"/>
                 </a:solidFill>
               </a14:hiddenFill>
             </a:ext>
             <a:ext uri="{91240B29-F687-4F45-9708-019B960494DF}">
-              <a14:hiddenLine xmlns:a14="http://schemas.microsoft.com/office/drawing/2010/main" w="9525">
+              <a14:hiddenLine xmlns:a14="http://schemas.microsoft.com/office/drawing/2010/main" xmlns="" w="9525">
                 <a:solidFill>
                   <a:srgbClr val="000000"/>
                 </a:solidFill>
@@ -6025,11 +6096,6 @@
               </a:rPr>
               <a:t>Data structure</a:t>
             </a:r>
-            <a:endParaRPr lang="x-none" altLang="zh-CN">
-              <a:solidFill>
-                <a:schemeClr val="tx1"/>
-              </a:solidFill>
-            </a:endParaRPr>
           </a:p>
           <a:p>
             <a:r>
@@ -6040,11 +6106,6 @@
               </a:rPr>
               <a:t>Storage and handling</a:t>
             </a:r>
-            <a:endParaRPr lang="x-none" altLang="zh-CN">
-              <a:solidFill>
-                <a:schemeClr val="tx1"/>
-              </a:solidFill>
-            </a:endParaRPr>
           </a:p>
           <a:p>
             <a:endParaRPr lang="x-none" altLang="zh-CN">
@@ -6075,14 +6136,14 @@
           </a:ln>
           <a:extLst>
             <a:ext uri="{909E8E84-426E-40DD-AFC4-6F175D3DCCD1}">
-              <a14:hiddenFill xmlns:a14="http://schemas.microsoft.com/office/drawing/2010/main">
+              <a14:hiddenFill xmlns:a14="http://schemas.microsoft.com/office/drawing/2010/main" xmlns="">
                 <a:solidFill>
                   <a:srgbClr val="FFFFFF"/>
                 </a:solidFill>
               </a14:hiddenFill>
             </a:ext>
             <a:ext uri="{91240B29-F687-4F45-9708-019B960494DF}">
-              <a14:hiddenLine xmlns:a14="http://schemas.microsoft.com/office/drawing/2010/main" w="9525">
+              <a14:hiddenLine xmlns:a14="http://schemas.microsoft.com/office/drawing/2010/main" xmlns="" w="9525">
                 <a:solidFill>
                   <a:srgbClr val="000000"/>
                 </a:solidFill>
@@ -6227,11 +6288,6 @@
               </a:rPr>
               <a:t>Visualization </a:t>
             </a:r>
-            <a:endParaRPr lang="x-none" altLang="zh-CN">
-              <a:solidFill>
-                <a:schemeClr val="tx1"/>
-              </a:solidFill>
-            </a:endParaRPr>
           </a:p>
         </p:txBody>
       </p:sp>
@@ -6255,14 +6311,14 @@
           </a:ln>
           <a:extLst>
             <a:ext uri="{909E8E84-426E-40DD-AFC4-6F175D3DCCD1}">
-              <a14:hiddenFill xmlns:a14="http://schemas.microsoft.com/office/drawing/2010/main">
+              <a14:hiddenFill xmlns:a14="http://schemas.microsoft.com/office/drawing/2010/main" xmlns="">
                 <a:solidFill>
                   <a:srgbClr val="FFFFFF"/>
                 </a:solidFill>
               </a14:hiddenFill>
             </a:ext>
             <a:ext uri="{91240B29-F687-4F45-9708-019B960494DF}">
-              <a14:hiddenLine xmlns:a14="http://schemas.microsoft.com/office/drawing/2010/main" w="9525">
+              <a14:hiddenLine xmlns:a14="http://schemas.microsoft.com/office/drawing/2010/main" xmlns="" w="9525">
                 <a:solidFill>
                   <a:srgbClr val="000000"/>
                 </a:solidFill>
@@ -6422,11 +6478,6 @@
               </a:rPr>
               <a:t>Data request</a:t>
             </a:r>
-            <a:endParaRPr lang="x-none" altLang="zh-CN">
-              <a:solidFill>
-                <a:schemeClr val="tx1"/>
-              </a:solidFill>
-            </a:endParaRPr>
           </a:p>
           <a:p>
             <a:r>
@@ -6437,11 +6488,6 @@
               </a:rPr>
               <a:t>Connection of modules</a:t>
             </a:r>
-            <a:endParaRPr lang="x-none" altLang="zh-CN">
-              <a:solidFill>
-                <a:schemeClr val="tx1"/>
-              </a:solidFill>
-            </a:endParaRPr>
           </a:p>
         </p:txBody>
       </p:sp>
@@ -6466,14 +6512,14 @@
           <a:effectLst/>
           <a:extLst>
             <a:ext uri="{909E8E84-426E-40DD-AFC4-6F175D3DCCD1}">
-              <a14:hiddenFill xmlns:a14="http://schemas.microsoft.com/office/drawing/2010/main">
+              <a14:hiddenFill xmlns:a14="http://schemas.microsoft.com/office/drawing/2010/main" xmlns="">
                 <a:solidFill>
                   <a:srgbClr val="FFFFFF"/>
                 </a:solidFill>
               </a14:hiddenFill>
             </a:ext>
             <a:ext uri="{91240B29-F687-4F45-9708-019B960494DF}">
-              <a14:hiddenLine xmlns:a14="http://schemas.microsoft.com/office/drawing/2010/main" w="9525">
+              <a14:hiddenLine xmlns:a14="http://schemas.microsoft.com/office/drawing/2010/main" xmlns="" w="9525">
                 <a:solidFill>
                   <a:srgbClr val="000000"/>
                 </a:solidFill>
@@ -6483,7 +6529,7 @@
               </a14:hiddenLine>
             </a:ext>
             <a:ext uri="{AF507438-7753-43E0-B8FC-AC1667EBCBE1}">
-              <a14:hiddenEffects xmlns:a14="http://schemas.microsoft.com/office/drawing/2010/main">
+              <a14:hiddenEffects xmlns:a14="http://schemas.microsoft.com/office/drawing/2010/main" xmlns="">
                 <a:effectLst>
                   <a:outerShdw dist="35921" dir="2700000" algn="ctr" rotWithShape="0">
                     <a:srgbClr val="808080"/>
@@ -6495,7 +6541,7 @@
         </p:spPr>
         <p:txBody>
           <a:bodyPr wrap="square">
-            <a:normAutofit fontScale="90000"/>
+            <a:normAutofit fontScale="97500" lnSpcReduction="10000"/>
           </a:bodyPr>
           <a:lstStyle>
             <a:defPPr>
@@ -6626,11 +6672,6 @@
               </a:rPr>
               <a:t>D3.js</a:t>
             </a:r>
-            <a:endParaRPr lang="x-none" altLang="zh-CN" dirty="0">
-              <a:solidFill>
-                <a:schemeClr val="tx1"/>
-              </a:solidFill>
-            </a:endParaRPr>
           </a:p>
         </p:txBody>
       </p:sp>
@@ -6655,14 +6696,14 @@
           <a:effectLst/>
           <a:extLst>
             <a:ext uri="{909E8E84-426E-40DD-AFC4-6F175D3DCCD1}">
-              <a14:hiddenFill xmlns:a14="http://schemas.microsoft.com/office/drawing/2010/main">
+              <a14:hiddenFill xmlns:a14="http://schemas.microsoft.com/office/drawing/2010/main" xmlns="">
                 <a:solidFill>
                   <a:srgbClr val="FFFFFF"/>
                 </a:solidFill>
               </a14:hiddenFill>
             </a:ext>
             <a:ext uri="{91240B29-F687-4F45-9708-019B960494DF}">
-              <a14:hiddenLine xmlns:a14="http://schemas.microsoft.com/office/drawing/2010/main" w="9525">
+              <a14:hiddenLine xmlns:a14="http://schemas.microsoft.com/office/drawing/2010/main" xmlns="" w="9525">
                 <a:solidFill>
                   <a:srgbClr val="000000"/>
                 </a:solidFill>
@@ -6672,7 +6713,7 @@
               </a14:hiddenLine>
             </a:ext>
             <a:ext uri="{AF507438-7753-43E0-B8FC-AC1667EBCBE1}">
-              <a14:hiddenEffects xmlns:a14="http://schemas.microsoft.com/office/drawing/2010/main">
+              <a14:hiddenEffects xmlns:a14="http://schemas.microsoft.com/office/drawing/2010/main" xmlns="">
                 <a:effectLst>
                   <a:outerShdw dist="35921" dir="2700000" algn="ctr" rotWithShape="0">
                     <a:srgbClr val="808080"/>
@@ -6684,7 +6725,7 @@
         </p:spPr>
         <p:txBody>
           <a:bodyPr wrap="square">
-            <a:normAutofit fontScale="90000"/>
+            <a:normAutofit fontScale="97500" lnSpcReduction="10000"/>
           </a:bodyPr>
           <a:lstStyle>
             <a:defPPr>
@@ -6815,11 +6856,6 @@
               </a:rPr>
               <a:t>MongoDB</a:t>
             </a:r>
-            <a:endParaRPr lang="x-none" altLang="zh-CN">
-              <a:solidFill>
-                <a:schemeClr val="tx1"/>
-              </a:solidFill>
-            </a:endParaRPr>
           </a:p>
         </p:txBody>
       </p:sp>
@@ -6844,14 +6880,14 @@
           <a:effectLst/>
           <a:extLst>
             <a:ext uri="{909E8E84-426E-40DD-AFC4-6F175D3DCCD1}">
-              <a14:hiddenFill xmlns:a14="http://schemas.microsoft.com/office/drawing/2010/main">
+              <a14:hiddenFill xmlns:a14="http://schemas.microsoft.com/office/drawing/2010/main" xmlns="">
                 <a:solidFill>
                   <a:srgbClr val="FFFFFF"/>
                 </a:solidFill>
               </a14:hiddenFill>
             </a:ext>
             <a:ext uri="{91240B29-F687-4F45-9708-019B960494DF}">
-              <a14:hiddenLine xmlns:a14="http://schemas.microsoft.com/office/drawing/2010/main" w="9525">
+              <a14:hiddenLine xmlns:a14="http://schemas.microsoft.com/office/drawing/2010/main" xmlns="" w="9525">
                 <a:solidFill>
                   <a:srgbClr val="000000"/>
                 </a:solidFill>
@@ -6861,7 +6897,7 @@
               </a14:hiddenLine>
             </a:ext>
             <a:ext uri="{AF507438-7753-43E0-B8FC-AC1667EBCBE1}">
-              <a14:hiddenEffects xmlns:a14="http://schemas.microsoft.com/office/drawing/2010/main">
+              <a14:hiddenEffects xmlns:a14="http://schemas.microsoft.com/office/drawing/2010/main" xmlns="">
                 <a:effectLst>
                   <a:outerShdw dist="35921" dir="2700000" algn="ctr" rotWithShape="0">
                     <a:srgbClr val="808080"/>
@@ -7004,11 +7040,6 @@
               </a:rPr>
               <a:t>Vaadin Web Application (Java)</a:t>
             </a:r>
-            <a:endParaRPr lang="x-none" altLang="zh-CN" sz="1700">
-              <a:solidFill>
-                <a:schemeClr val="tx1"/>
-              </a:solidFill>
-            </a:endParaRPr>
           </a:p>
         </p:txBody>
       </p:sp>
@@ -7038,7 +7069,7 @@
           </a:ln>
           <a:extLst>
             <a:ext uri="{91240B29-F687-4F45-9708-019B960494DF}">
-              <a14:hiddenLine xmlns:a14="http://schemas.microsoft.com/office/drawing/2010/main" w="9525">
+              <a14:hiddenLine xmlns:a14="http://schemas.microsoft.com/office/drawing/2010/main" xmlns="" w="9525">
                 <a:solidFill>
                   <a:srgbClr val="000000"/>
                 </a:solidFill>
@@ -7286,7 +7317,7 @@
             <a:effectLst/>
             <a:extLst>
               <a:ext uri="{91240B29-F687-4F45-9708-019B960494DF}">
-                <a14:hiddenLine xmlns:a14="http://schemas.microsoft.com/office/drawing/2010/main" w="9525">
+                <a14:hiddenLine xmlns:a14="http://schemas.microsoft.com/office/drawing/2010/main" xmlns="" w="9525">
                   <a:solidFill>
                     <a:srgbClr val="000000"/>
                   </a:solidFill>
@@ -7296,7 +7327,7 @@
                 </a14:hiddenLine>
               </a:ext>
               <a:ext uri="{AF507438-7753-43E0-B8FC-AC1667EBCBE1}">
-                <a14:hiddenEffects xmlns:a14="http://schemas.microsoft.com/office/drawing/2010/main">
+                <a14:hiddenEffects xmlns:a14="http://schemas.microsoft.com/office/drawing/2010/main" xmlns="">
                   <a:effectLst>
                     <a:outerShdw dist="35921" dir="2700000" algn="ctr" rotWithShape="0">
                       <a:schemeClr val="bg2"/>
@@ -7488,7 +7519,7 @@
             <a:effectLst/>
             <a:extLst>
               <a:ext uri="{91240B29-F687-4F45-9708-019B960494DF}">
-                <a14:hiddenLine xmlns:a14="http://schemas.microsoft.com/office/drawing/2010/main" w="9525">
+                <a14:hiddenLine xmlns:a14="http://schemas.microsoft.com/office/drawing/2010/main" xmlns="" w="9525">
                   <a:solidFill>
                     <a:srgbClr val="000000"/>
                   </a:solidFill>
@@ -7498,7 +7529,7 @@
                 </a14:hiddenLine>
               </a:ext>
               <a:ext uri="{AF507438-7753-43E0-B8FC-AC1667EBCBE1}">
-                <a14:hiddenEffects xmlns:a14="http://schemas.microsoft.com/office/drawing/2010/main">
+                <a14:hiddenEffects xmlns:a14="http://schemas.microsoft.com/office/drawing/2010/main" xmlns="">
                   <a:effectLst>
                     <a:outerShdw dist="35921" dir="2700000" algn="ctr" rotWithShape="0">
                       <a:srgbClr val="808080"/>
@@ -7667,10 +7698,6 @@
                 </a:rPr>
                 <a:t>C</a:t>
               </a:r>
-              <a:endParaRPr lang="zh-CN" altLang="en-US" sz="2800" dirty="0">
-                <a:latin typeface="+mn-lt"/>
-                <a:ea typeface="+mn-ea"/>
-              </a:endParaRPr>
             </a:p>
           </p:txBody>
         </p:sp>
@@ -7718,7 +7745,7 @@
             <a:effectLst/>
             <a:extLst>
               <a:ext uri="{91240B29-F687-4F45-9708-019B960494DF}">
-                <a14:hiddenLine xmlns:a14="http://schemas.microsoft.com/office/drawing/2010/main" w="9525">
+                <a14:hiddenLine xmlns:a14="http://schemas.microsoft.com/office/drawing/2010/main" xmlns="" w="9525">
                   <a:solidFill>
                     <a:srgbClr val="000000"/>
                   </a:solidFill>
@@ -7728,7 +7755,7 @@
                 </a14:hiddenLine>
               </a:ext>
               <a:ext uri="{AF507438-7753-43E0-B8FC-AC1667EBCBE1}">
-                <a14:hiddenEffects xmlns:a14="http://schemas.microsoft.com/office/drawing/2010/main">
+                <a14:hiddenEffects xmlns:a14="http://schemas.microsoft.com/office/drawing/2010/main" xmlns="">
                   <a:effectLst>
                     <a:outerShdw dist="35921" dir="2700000" algn="ctr" rotWithShape="0">
                       <a:schemeClr val="bg2"/>
@@ -7920,7 +7947,7 @@
             <a:effectLst/>
             <a:extLst>
               <a:ext uri="{91240B29-F687-4F45-9708-019B960494DF}">
-                <a14:hiddenLine xmlns:a14="http://schemas.microsoft.com/office/drawing/2010/main" w="9525">
+                <a14:hiddenLine xmlns:a14="http://schemas.microsoft.com/office/drawing/2010/main" xmlns="" w="9525">
                   <a:solidFill>
                     <a:srgbClr val="000000"/>
                   </a:solidFill>
@@ -7930,7 +7957,7 @@
                 </a14:hiddenLine>
               </a:ext>
               <a:ext uri="{AF507438-7753-43E0-B8FC-AC1667EBCBE1}">
-                <a14:hiddenEffects xmlns:a14="http://schemas.microsoft.com/office/drawing/2010/main">
+                <a14:hiddenEffects xmlns:a14="http://schemas.microsoft.com/office/drawing/2010/main" xmlns="">
                   <a:effectLst>
                     <a:outerShdw dist="35921" dir="2700000" algn="ctr" rotWithShape="0">
                       <a:srgbClr val="808080"/>
@@ -8099,10 +8126,6 @@
                 </a:rPr>
                 <a:t>B</a:t>
               </a:r>
-              <a:endParaRPr lang="zh-CN" altLang="en-US" sz="2800" dirty="0">
-                <a:latin typeface="+mn-lt"/>
-                <a:ea typeface="+mn-ea"/>
-              </a:endParaRPr>
             </a:p>
           </p:txBody>
         </p:sp>
@@ -8150,7 +8173,7 @@
             <a:effectLst/>
             <a:extLst>
               <a:ext uri="{91240B29-F687-4F45-9708-019B960494DF}">
-                <a14:hiddenLine xmlns:a14="http://schemas.microsoft.com/office/drawing/2010/main" w="9525">
+                <a14:hiddenLine xmlns:a14="http://schemas.microsoft.com/office/drawing/2010/main" xmlns="" w="9525">
                   <a:solidFill>
                     <a:srgbClr val="000000"/>
                   </a:solidFill>
@@ -8160,7 +8183,7 @@
                 </a14:hiddenLine>
               </a:ext>
               <a:ext uri="{AF507438-7753-43E0-B8FC-AC1667EBCBE1}">
-                <a14:hiddenEffects xmlns:a14="http://schemas.microsoft.com/office/drawing/2010/main">
+                <a14:hiddenEffects xmlns:a14="http://schemas.microsoft.com/office/drawing/2010/main" xmlns="">
                   <a:effectLst>
                     <a:outerShdw dist="35921" dir="2700000" algn="ctr" rotWithShape="0">
                       <a:schemeClr val="bg2"/>
@@ -8352,7 +8375,7 @@
             <a:effectLst/>
             <a:extLst>
               <a:ext uri="{91240B29-F687-4F45-9708-019B960494DF}">
-                <a14:hiddenLine xmlns:a14="http://schemas.microsoft.com/office/drawing/2010/main" w="9525">
+                <a14:hiddenLine xmlns:a14="http://schemas.microsoft.com/office/drawing/2010/main" xmlns="" w="9525">
                   <a:solidFill>
                     <a:srgbClr val="000000"/>
                   </a:solidFill>
@@ -8362,7 +8385,7 @@
                 </a14:hiddenLine>
               </a:ext>
               <a:ext uri="{AF507438-7753-43E0-B8FC-AC1667EBCBE1}">
-                <a14:hiddenEffects xmlns:a14="http://schemas.microsoft.com/office/drawing/2010/main">
+                <a14:hiddenEffects xmlns:a14="http://schemas.microsoft.com/office/drawing/2010/main" xmlns="">
                   <a:effectLst>
                     <a:outerShdw dist="35921" dir="2700000" algn="ctr" rotWithShape="0">
                       <a:srgbClr val="808080"/>
@@ -8531,10 +8554,6 @@
                 </a:rPr>
                 <a:t>A</a:t>
               </a:r>
-              <a:endParaRPr lang="zh-CN" altLang="en-US" sz="2800" dirty="0">
-                <a:latin typeface="+mn-lt"/>
-                <a:ea typeface="+mn-ea"/>
-              </a:endParaRPr>
             </a:p>
           </p:txBody>
         </p:sp>
@@ -8559,14 +8578,14 @@
           </a:ln>
           <a:extLst>
             <a:ext uri="{909E8E84-426E-40DD-AFC4-6F175D3DCCD1}">
-              <a14:hiddenFill xmlns:a14="http://schemas.microsoft.com/office/drawing/2010/main">
+              <a14:hiddenFill xmlns:a14="http://schemas.microsoft.com/office/drawing/2010/main" xmlns="">
                 <a:solidFill>
                   <a:srgbClr val="FFFFFF"/>
                 </a:solidFill>
               </a14:hiddenFill>
             </a:ext>
             <a:ext uri="{91240B29-F687-4F45-9708-019B960494DF}">
-              <a14:hiddenLine xmlns:a14="http://schemas.microsoft.com/office/drawing/2010/main" w="9525">
+              <a14:hiddenLine xmlns:a14="http://schemas.microsoft.com/office/drawing/2010/main" xmlns="" w="9525">
                 <a:solidFill>
                   <a:srgbClr val="000000"/>
                 </a:solidFill>
@@ -8714,11 +8733,6 @@
               </a:rPr>
               <a:t>Please enter the textPlease enter the text</a:t>
             </a:r>
-            <a:endParaRPr lang="zh-CN" altLang="en-US">
-              <a:solidFill>
-                <a:schemeClr val="tx1"/>
-              </a:solidFill>
-            </a:endParaRPr>
           </a:p>
         </p:txBody>
       </p:sp>
@@ -8742,14 +8756,14 @@
           </a:ln>
           <a:extLst>
             <a:ext uri="{909E8E84-426E-40DD-AFC4-6F175D3DCCD1}">
-              <a14:hiddenFill xmlns:a14="http://schemas.microsoft.com/office/drawing/2010/main">
+              <a14:hiddenFill xmlns:a14="http://schemas.microsoft.com/office/drawing/2010/main" xmlns="">
                 <a:solidFill>
                   <a:srgbClr val="FFFFFF"/>
                 </a:solidFill>
               </a14:hiddenFill>
             </a:ext>
             <a:ext uri="{91240B29-F687-4F45-9708-019B960494DF}">
-              <a14:hiddenLine xmlns:a14="http://schemas.microsoft.com/office/drawing/2010/main" w="9525">
+              <a14:hiddenLine xmlns:a14="http://schemas.microsoft.com/office/drawing/2010/main" xmlns="" w="9525">
                 <a:solidFill>
                   <a:srgbClr val="000000"/>
                 </a:solidFill>
@@ -8897,11 +8911,6 @@
               </a:rPr>
               <a:t>Please enter the textPlease enter the text</a:t>
             </a:r>
-            <a:endParaRPr lang="zh-CN" altLang="en-US">
-              <a:solidFill>
-                <a:schemeClr val="tx1"/>
-              </a:solidFill>
-            </a:endParaRPr>
           </a:p>
         </p:txBody>
       </p:sp>
@@ -8925,14 +8934,14 @@
           </a:ln>
           <a:extLst>
             <a:ext uri="{909E8E84-426E-40DD-AFC4-6F175D3DCCD1}">
-              <a14:hiddenFill xmlns:a14="http://schemas.microsoft.com/office/drawing/2010/main">
+              <a14:hiddenFill xmlns:a14="http://schemas.microsoft.com/office/drawing/2010/main" xmlns="">
                 <a:solidFill>
                   <a:srgbClr val="FFFFFF"/>
                 </a:solidFill>
               </a14:hiddenFill>
             </a:ext>
             <a:ext uri="{91240B29-F687-4F45-9708-019B960494DF}">
-              <a14:hiddenLine xmlns:a14="http://schemas.microsoft.com/office/drawing/2010/main" w="9525">
+              <a14:hiddenLine xmlns:a14="http://schemas.microsoft.com/office/drawing/2010/main" xmlns="" w="9525">
                 <a:solidFill>
                   <a:srgbClr val="000000"/>
                 </a:solidFill>
@@ -9080,11 +9089,6 @@
               </a:rPr>
               <a:t>Please enter the textPlease enter the text</a:t>
             </a:r>
-            <a:endParaRPr lang="zh-CN" altLang="en-US" dirty="0">
-              <a:solidFill>
-                <a:schemeClr val="tx1"/>
-              </a:solidFill>
-            </a:endParaRPr>
           </a:p>
         </p:txBody>
       </p:sp>
@@ -9114,7 +9118,7 @@
           </a:ln>
           <a:extLst>
             <a:ext uri="{91240B29-F687-4F45-9708-019B960494DF}">
-              <a14:hiddenLine xmlns:a14="http://schemas.microsoft.com/office/drawing/2010/main" w="9525">
+              <a14:hiddenLine xmlns:a14="http://schemas.microsoft.com/office/drawing/2010/main" xmlns="" w="9525">
                 <a:solidFill>
                   <a:srgbClr val="000000"/>
                 </a:solidFill>
@@ -9301,14 +9305,14 @@
           </a:ln>
           <a:extLst>
             <a:ext uri="{909E8E84-426E-40DD-AFC4-6F175D3DCCD1}">
-              <a14:hiddenFill xmlns:a14="http://schemas.microsoft.com/office/drawing/2010/main">
+              <a14:hiddenFill xmlns:a14="http://schemas.microsoft.com/office/drawing/2010/main" xmlns="">
                 <a:solidFill>
                   <a:srgbClr val="FFFFFF"/>
                 </a:solidFill>
               </a14:hiddenFill>
             </a:ext>
             <a:ext uri="{91240B29-F687-4F45-9708-019B960494DF}">
-              <a14:hiddenLine xmlns:a14="http://schemas.microsoft.com/office/drawing/2010/main" w="9525">
+              <a14:hiddenLine xmlns:a14="http://schemas.microsoft.com/office/drawing/2010/main" xmlns="" w="9525">
                 <a:solidFill>
                   <a:srgbClr val="000000"/>
                 </a:solidFill>
@@ -9429,7 +9433,6 @@
               <a:rPr lang="zh-CN" altLang="en-US" dirty="0"/>
               <a:t>Please enter your title</a:t>
             </a:r>
-            <a:endParaRPr lang="zh-CN" altLang="en-US" dirty="0"/>
           </a:p>
         </p:txBody>
       </p:sp>
@@ -9450,7 +9453,14 @@
         <p:cNvGrpSpPr/>
         <p:nvPr/>
       </p:nvGrpSpPr>
-      <p:grpSpPr/>
+      <p:grpSpPr>
+        <a:xfrm>
+          <a:off x="0" y="0"/>
+          <a:ext cx="0" cy="0"/>
+          <a:chOff x="0" y="0"/>
+          <a:chExt cx="0" cy="0"/>
+        </a:xfrm>
+      </p:grpSpPr>
       <p:sp>
         <p:nvSpPr>
           <p:cNvPr id="4" name="Title 3"/>
@@ -9464,14 +9474,14 @@
         <p:spPr/>
         <p:txBody>
           <a:bodyPr>
-            <a:normAutofit fontScale="90000"/>
+            <a:normAutofit/>
           </a:bodyPr>
+          <a:lstStyle/>
           <a:p>
             <a:r>
               <a:rPr lang="x-none" altLang="de-DE"/>
               <a:t>Authorization with Google OAuth2</a:t>
             </a:r>
-            <a:endParaRPr lang="x-none" altLang="de-DE"/>
           </a:p>
         </p:txBody>
       </p:sp>
@@ -9490,6 +9500,7 @@
           <a:bodyPr>
             <a:noAutofit/>
           </a:bodyPr>
+          <a:lstStyle/>
           <a:p>
             <a:pPr marL="457200" indent="-457200">
               <a:buFont typeface="Arial" panose="02080604020202020204" charset="0"/>
@@ -9499,7 +9510,6 @@
               <a:rPr lang="x-none" altLang="de-DE" sz="2800"/>
               <a:t>User provides his Google username</a:t>
             </a:r>
-            <a:endParaRPr lang="x-none" altLang="de-DE" sz="2800"/>
           </a:p>
           <a:p>
             <a:pPr marL="457200" indent="-457200">
@@ -9510,7 +9520,6 @@
               <a:rPr lang="x-none" altLang="de-DE" sz="2800"/>
               <a:t>User gets redirected google login/authorization page</a:t>
             </a:r>
-            <a:endParaRPr lang="x-none" altLang="de-DE" sz="2800"/>
           </a:p>
           <a:p>
             <a:pPr marL="457200" indent="-457200">
@@ -9521,7 +9530,6 @@
               <a:rPr lang="x-none" altLang="de-DE" sz="2800"/>
               <a:t>User gives consent to requested data</a:t>
             </a:r>
-            <a:endParaRPr lang="x-none" altLang="de-DE" sz="2800"/>
           </a:p>
           <a:p>
             <a:pPr marL="457200" indent="-457200">
@@ -9532,7 +9540,6 @@
               <a:rPr lang="x-none" altLang="de-DE" sz="2800"/>
               <a:t>TrackFit obtains acces Token from Google</a:t>
             </a:r>
-            <a:endParaRPr lang="x-none" altLang="de-DE" sz="2800"/>
           </a:p>
         </p:txBody>
       </p:sp>
@@ -9540,14 +9547,14 @@
         <p:nvPicPr>
           <p:cNvPr id="7" name="Picture Placeholder 6"/>
           <p:cNvPicPr>
-            <a:picLocks noChangeAspect="1"/>
+            <a:picLocks noGrp="1" noChangeAspect="1"/>
           </p:cNvPicPr>
           <p:nvPr>
             <p:ph type="pic" idx="1"/>
           </p:nvPr>
         </p:nvPicPr>
         <p:blipFill>
-          <a:blip r:embed="rId1"/>
+          <a:blip r:embed="rId2" cstate="print"/>
           <a:stretch>
             <a:fillRect/>
           </a:stretch>
@@ -9579,7 +9586,14 @@
         <p:cNvGrpSpPr/>
         <p:nvPr/>
       </p:nvGrpSpPr>
-      <p:grpSpPr/>
+      <p:grpSpPr>
+        <a:xfrm>
+          <a:off x="0" y="0"/>
+          <a:ext cx="0" cy="0"/>
+          <a:chOff x="0" y="0"/>
+          <a:chExt cx="0" cy="0"/>
+        </a:xfrm>
+      </p:grpSpPr>
       <p:sp>
         <p:nvSpPr>
           <p:cNvPr id="2" name="Title 1"/>
@@ -9593,12 +9607,12 @@
         <p:spPr/>
         <p:txBody>
           <a:bodyPr/>
+          <a:lstStyle/>
           <a:p>
             <a:r>
               <a:rPr lang="x-none" altLang="de-DE"/>
               <a:t>Data request from Fit API</a:t>
             </a:r>
-            <a:endParaRPr lang="x-none" altLang="de-DE"/>
           </a:p>
         </p:txBody>
       </p:sp>
@@ -9629,6 +9643,7 @@
           <a:bodyPr>
             <a:noAutofit/>
           </a:bodyPr>
+          <a:lstStyle/>
           <a:p>
             <a:pPr marL="342900" indent="-342900">
               <a:buFont typeface="Arial" panose="02080604020202020204" charset="0"/>
@@ -9638,7 +9653,6 @@
               <a:rPr lang="x-none" altLang="de-DE" sz="2800"/>
               <a:t>Uses standardized REST API Call</a:t>
             </a:r>
-            <a:endParaRPr lang="x-none" altLang="de-DE" sz="2800"/>
           </a:p>
           <a:p>
             <a:pPr marL="342900" indent="-342900">
@@ -9649,7 +9663,6 @@
               <a:rPr lang="x-none" altLang="de-DE" sz="2800"/>
               <a:t>In thise case: Uses Google Rest Library for Java</a:t>
             </a:r>
-            <a:endParaRPr lang="x-none" altLang="de-DE" sz="2800"/>
           </a:p>
           <a:p>
             <a:pPr marL="342900" indent="-342900">
@@ -9660,7 +9673,6 @@
               <a:rPr lang="x-none" altLang="de-DE" sz="2800"/>
               <a:t>Clusters data for days (last full finished day)</a:t>
             </a:r>
-            <a:endParaRPr lang="x-none" altLang="de-DE" sz="2800"/>
           </a:p>
           <a:p>
             <a:pPr marL="342900" indent="-342900">
@@ -9671,7 +9683,6 @@
               <a:rPr lang="x-none" altLang="de-DE" sz="2800"/>
               <a:t>Data is received in JSON Format</a:t>
             </a:r>
-            <a:endParaRPr lang="x-none" altLang="de-DE" sz="2800"/>
           </a:p>
           <a:p>
             <a:pPr marL="342900" indent="-342900">
@@ -9682,7 +9693,6 @@
               <a:rPr lang="x-none" altLang="de-DE" sz="2800"/>
               <a:t>JSON is sent to database handler</a:t>
             </a:r>
-            <a:endParaRPr lang="x-none" altLang="de-DE" sz="2800"/>
           </a:p>
         </p:txBody>
       </p:sp>
@@ -9703,7 +9713,14 @@
         <p:cNvGrpSpPr/>
         <p:nvPr/>
       </p:nvGrpSpPr>
-      <p:grpSpPr/>
+      <p:grpSpPr>
+        <a:xfrm>
+          <a:off x="0" y="0"/>
+          <a:ext cx="0" cy="0"/>
+          <a:chOff x="0" y="0"/>
+          <a:chExt cx="0" cy="0"/>
+        </a:xfrm>
+      </p:grpSpPr>
       <p:sp>
         <p:nvSpPr>
           <p:cNvPr id="2" name="Title 1"/>
@@ -9717,12 +9734,12 @@
         <p:spPr/>
         <p:txBody>
           <a:bodyPr/>
+          <a:lstStyle/>
           <a:p>
             <a:r>
               <a:rPr lang="x-none" altLang="de-DE"/>
               <a:t>MongoDB</a:t>
             </a:r>
-            <a:endParaRPr lang="x-none" altLang="de-DE"/>
           </a:p>
         </p:txBody>
       </p:sp>
@@ -9739,6 +9756,7 @@
         <p:spPr/>
         <p:txBody>
           <a:bodyPr/>
+          <a:lstStyle/>
           <a:p>
             <a:pPr marL="342900" indent="-342900">
               <a:buFont typeface="Arial" panose="02080604020202020204" charset="0"/>
@@ -9748,7 +9766,6 @@
               <a:rPr lang="x-none" altLang="de-DE"/>
               <a:t>NoSQL database</a:t>
             </a:r>
-            <a:endParaRPr lang="x-none" altLang="de-DE"/>
           </a:p>
           <a:p>
             <a:pPr marL="342900" indent="-342900">
@@ -9759,7 +9776,6 @@
               <a:rPr lang="x-none" altLang="de-DE"/>
               <a:t>Basic Structure: Collections and Documents</a:t>
             </a:r>
-            <a:endParaRPr lang="x-none" altLang="de-DE"/>
           </a:p>
           <a:p>
             <a:pPr marL="342900" indent="-342900">
@@ -9770,7 +9786,6 @@
               <a:rPr lang="x-none" altLang="de-DE"/>
               <a:t>we used Java Driver version 3.4 for interacting with MongoDB</a:t>
             </a:r>
-            <a:endParaRPr lang="x-none" altLang="de-DE"/>
           </a:p>
           <a:p>
             <a:pPr marL="342900" indent="-342900">
@@ -9785,14 +9800,14 @@
         <p:nvPicPr>
           <p:cNvPr id="8" name="Picture Placeholder 7"/>
           <p:cNvPicPr>
-            <a:picLocks noChangeAspect="1"/>
+            <a:picLocks noGrp="1" noChangeAspect="1"/>
           </p:cNvPicPr>
           <p:nvPr>
             <p:ph type="pic" idx="1"/>
           </p:nvPr>
         </p:nvPicPr>
         <p:blipFill>
-          <a:blip r:embed="rId1"/>
+          <a:blip r:embed="rId2" cstate="print"/>
           <a:stretch>
             <a:fillRect/>
           </a:stretch>
@@ -9824,7 +9839,14 @@
         <p:cNvGrpSpPr/>
         <p:nvPr/>
       </p:nvGrpSpPr>
-      <p:grpSpPr/>
+      <p:grpSpPr>
+        <a:xfrm>
+          <a:off x="0" y="0"/>
+          <a:ext cx="0" cy="0"/>
+          <a:chOff x="0" y="0"/>
+          <a:chExt cx="0" cy="0"/>
+        </a:xfrm>
+      </p:grpSpPr>
       <p:sp>
         <p:nvSpPr>
           <p:cNvPr id="2" name="Title 1"/>
@@ -9838,12 +9860,12 @@
         <p:spPr/>
         <p:txBody>
           <a:bodyPr/>
+          <a:lstStyle/>
           <a:p>
             <a:r>
               <a:rPr lang="x-none" altLang="de-DE"/>
               <a:t>Data model	</a:t>
             </a:r>
-            <a:endParaRPr lang="x-none" altLang="de-DE"/>
           </a:p>
         </p:txBody>
       </p:sp>
@@ -9860,6 +9882,7 @@
         <p:spPr/>
         <p:txBody>
           <a:bodyPr/>
+          <a:lstStyle/>
           <a:p>
             <a:pPr marL="342900" indent="-342900">
               <a:buFont typeface="Arial" panose="02080604020202020204" charset="0"/>
@@ -9869,7 +9892,6 @@
               <a:rPr lang="x-none" altLang="de-DE"/>
               <a:t>One database</a:t>
             </a:r>
-            <a:endParaRPr lang="x-none" altLang="de-DE"/>
           </a:p>
           <a:p>
             <a:pPr marL="342900" indent="-342900">
@@ -9880,7 +9902,6 @@
               <a:rPr lang="x-none" altLang="de-DE"/>
               <a:t>3 Collections</a:t>
             </a:r>
-            <a:endParaRPr lang="x-none" altLang="de-DE"/>
           </a:p>
           <a:p>
             <a:pPr marL="800100" lvl="1" indent="-342900">
@@ -9891,7 +9912,6 @@
               <a:rPr lang="x-none" altLang="de-DE"/>
               <a:t>Steps</a:t>
             </a:r>
-            <a:endParaRPr lang="x-none" altLang="de-DE"/>
           </a:p>
           <a:p>
             <a:pPr marL="800100" lvl="1" indent="-342900">
@@ -9902,7 +9922,6 @@
               <a:rPr lang="x-none" altLang="de-DE" sz="1400"/>
               <a:t>Date</a:t>
             </a:r>
-            <a:endParaRPr lang="x-none" altLang="de-DE" sz="1400"/>
           </a:p>
           <a:p>
             <a:pPr marL="800100" lvl="1" indent="-342900">
@@ -9928,14 +9947,14 @@
         <p:nvPicPr>
           <p:cNvPr id="5" name="Picture Placeholder 4"/>
           <p:cNvPicPr>
-            <a:picLocks noChangeAspect="1"/>
+            <a:picLocks noGrp="1" noChangeAspect="1"/>
           </p:cNvPicPr>
           <p:nvPr>
             <p:ph type="pic" idx="1"/>
           </p:nvPr>
         </p:nvPicPr>
         <p:blipFill>
-          <a:blip r:embed="rId1"/>
+          <a:blip r:embed="rId2" cstate="print"/>
           <a:stretch>
             <a:fillRect/>
           </a:stretch>
@@ -9967,7 +9986,14 @@
         <p:cNvGrpSpPr/>
         <p:nvPr/>
       </p:nvGrpSpPr>
-      <p:grpSpPr/>
+      <p:grpSpPr>
+        <a:xfrm>
+          <a:off x="0" y="0"/>
+          <a:ext cx="0" cy="0"/>
+          <a:chOff x="0" y="0"/>
+          <a:chExt cx="0" cy="0"/>
+        </a:xfrm>
+      </p:grpSpPr>
       <p:sp>
         <p:nvSpPr>
           <p:cNvPr id="2" name="Title 1"/>
@@ -9981,12 +10007,12 @@
         <p:spPr/>
         <p:txBody>
           <a:bodyPr/>
+          <a:lstStyle/>
           <a:p>
             <a:r>
               <a:rPr lang="x-none" altLang="de-DE"/>
               <a:t>DB Monitoring with Compass</a:t>
             </a:r>
-            <a:endParaRPr lang="x-none" altLang="de-DE"/>
           </a:p>
         </p:txBody>
       </p:sp>
@@ -10003,12 +10029,12 @@
         <p:spPr/>
         <p:txBody>
           <a:bodyPr/>
+          <a:lstStyle/>
           <a:p>
             <a:r>
               <a:rPr lang="x-none" altLang="de-DE"/>
               <a:t>Screenshot</a:t>
             </a:r>
-            <a:endParaRPr lang="x-none" altLang="de-DE"/>
           </a:p>
         </p:txBody>
       </p:sp>
@@ -10817,7 +10843,7 @@
   </a:extraClrSchemeLst>
   <a:extLst>
     <a:ext uri="{05A4C25C-085E-4340-85A3-A5531E510DB2}">
-      <thm15:themeFamily xmlns:thm15="http://schemas.microsoft.com/office/thememl/2012/main" name="Office Theme" id="{62F939B6-93AF-4DB8-9C6B-D6C7DFDC589F}" vid="{4A3C46E8-61CC-4603-A589-7422A47A8E4A}"/>
+      <thm15:themeFamily xmlns:thm15="http://schemas.microsoft.com/office/thememl/2012/main" xmlns="" name="Office Theme" id="{62F939B6-93AF-4DB8-9C6B-D6C7DFDC589F}" vid="{4A3C46E8-61CC-4603-A589-7422A47A8E4A}"/>
     </a:ext>
   </a:extLst>
 </a:theme>
@@ -11078,7 +11104,7 @@
   <a:extraClrSchemeLst/>
   <a:extLst>
     <a:ext uri="{05A4C25C-085E-4340-85A3-A5531E510DB2}">
-      <thm15:themeFamily xmlns:thm15="http://schemas.microsoft.com/office/thememl/2012/main" name="Office Theme" id="{62F939B6-93AF-4DB8-9C6B-D6C7DFDC589F}" vid="{4A3C46E8-61CC-4603-A589-7422A47A8E4A}"/>
+      <thm15:themeFamily xmlns:thm15="http://schemas.microsoft.com/office/thememl/2012/main" xmlns="" name="Office Theme" id="{62F939B6-93AF-4DB8-9C6B-D6C7DFDC589F}" vid="{4A3C46E8-61CC-4603-A589-7422A47A8E4A}"/>
     </a:ext>
   </a:extLst>
 </a:theme>
@@ -11339,7 +11365,7 @@
   <a:extraClrSchemeLst/>
   <a:extLst>
     <a:ext uri="{05A4C25C-085E-4340-85A3-A5531E510DB2}">
-      <thm15:themeFamily xmlns:thm15="http://schemas.microsoft.com/office/thememl/2012/main" name="Office Theme" id="{62F939B6-93AF-4DB8-9C6B-D6C7DFDC589F}" vid="{4A3C46E8-61CC-4603-A589-7422A47A8E4A}"/>
+      <thm15:themeFamily xmlns:thm15="http://schemas.microsoft.com/office/thememl/2012/main" xmlns="" name="Office Theme" id="{62F939B6-93AF-4DB8-9C6B-D6C7DFDC589F}" vid="{4A3C46E8-61CC-4603-A589-7422A47A8E4A}"/>
     </a:ext>
   </a:extLst>
 </a:theme>
